--- a/Amazon_Delivery/Layout/Layout.pptx
+++ b/Amazon_Delivery/Layout/Layout.pptx
@@ -260,7 +260,7 @@
           <a:p>
             <a:fld id="{530E6BCA-D451-44D1-BC52-BD3661D413DF}" type="datetimeFigureOut">
               <a:rPr lang="pt-BR" smtClean="0"/>
-              <a:t>10/07/2025</a:t>
+              <a:t>11/07/2025</a:t>
             </a:fld>
             <a:endParaRPr lang="pt-BR"/>
           </a:p>
@@ -458,7 +458,7 @@
           <a:p>
             <a:fld id="{530E6BCA-D451-44D1-BC52-BD3661D413DF}" type="datetimeFigureOut">
               <a:rPr lang="pt-BR" smtClean="0"/>
-              <a:t>10/07/2025</a:t>
+              <a:t>11/07/2025</a:t>
             </a:fld>
             <a:endParaRPr lang="pt-BR"/>
           </a:p>
@@ -666,7 +666,7 @@
           <a:p>
             <a:fld id="{530E6BCA-D451-44D1-BC52-BD3661D413DF}" type="datetimeFigureOut">
               <a:rPr lang="pt-BR" smtClean="0"/>
-              <a:t>10/07/2025</a:t>
+              <a:t>11/07/2025</a:t>
             </a:fld>
             <a:endParaRPr lang="pt-BR"/>
           </a:p>
@@ -864,7 +864,7 @@
           <a:p>
             <a:fld id="{530E6BCA-D451-44D1-BC52-BD3661D413DF}" type="datetimeFigureOut">
               <a:rPr lang="pt-BR" smtClean="0"/>
-              <a:t>10/07/2025</a:t>
+              <a:t>11/07/2025</a:t>
             </a:fld>
             <a:endParaRPr lang="pt-BR"/>
           </a:p>
@@ -1139,7 +1139,7 @@
           <a:p>
             <a:fld id="{530E6BCA-D451-44D1-BC52-BD3661D413DF}" type="datetimeFigureOut">
               <a:rPr lang="pt-BR" smtClean="0"/>
-              <a:t>10/07/2025</a:t>
+              <a:t>11/07/2025</a:t>
             </a:fld>
             <a:endParaRPr lang="pt-BR"/>
           </a:p>
@@ -1404,7 +1404,7 @@
           <a:p>
             <a:fld id="{530E6BCA-D451-44D1-BC52-BD3661D413DF}" type="datetimeFigureOut">
               <a:rPr lang="pt-BR" smtClean="0"/>
-              <a:t>10/07/2025</a:t>
+              <a:t>11/07/2025</a:t>
             </a:fld>
             <a:endParaRPr lang="pt-BR"/>
           </a:p>
@@ -1816,7 +1816,7 @@
           <a:p>
             <a:fld id="{530E6BCA-D451-44D1-BC52-BD3661D413DF}" type="datetimeFigureOut">
               <a:rPr lang="pt-BR" smtClean="0"/>
-              <a:t>10/07/2025</a:t>
+              <a:t>11/07/2025</a:t>
             </a:fld>
             <a:endParaRPr lang="pt-BR"/>
           </a:p>
@@ -1957,7 +1957,7 @@
           <a:p>
             <a:fld id="{530E6BCA-D451-44D1-BC52-BD3661D413DF}" type="datetimeFigureOut">
               <a:rPr lang="pt-BR" smtClean="0"/>
-              <a:t>10/07/2025</a:t>
+              <a:t>11/07/2025</a:t>
             </a:fld>
             <a:endParaRPr lang="pt-BR"/>
           </a:p>
@@ -2070,7 +2070,7 @@
           <a:p>
             <a:fld id="{530E6BCA-D451-44D1-BC52-BD3661D413DF}" type="datetimeFigureOut">
               <a:rPr lang="pt-BR" smtClean="0"/>
-              <a:t>10/07/2025</a:t>
+              <a:t>11/07/2025</a:t>
             </a:fld>
             <a:endParaRPr lang="pt-BR"/>
           </a:p>
@@ -2381,7 +2381,7 @@
           <a:p>
             <a:fld id="{530E6BCA-D451-44D1-BC52-BD3661D413DF}" type="datetimeFigureOut">
               <a:rPr lang="pt-BR" smtClean="0"/>
-              <a:t>10/07/2025</a:t>
+              <a:t>11/07/2025</a:t>
             </a:fld>
             <a:endParaRPr lang="pt-BR"/>
           </a:p>
@@ -2669,7 +2669,7 @@
           <a:p>
             <a:fld id="{530E6BCA-D451-44D1-BC52-BD3661D413DF}" type="datetimeFigureOut">
               <a:rPr lang="pt-BR" smtClean="0"/>
-              <a:t>10/07/2025</a:t>
+              <a:t>11/07/2025</a:t>
             </a:fld>
             <a:endParaRPr lang="pt-BR"/>
           </a:p>
@@ -2910,7 +2910,7 @@
           <a:p>
             <a:fld id="{530E6BCA-D451-44D1-BC52-BD3661D413DF}" type="datetimeFigureOut">
               <a:rPr lang="pt-BR" smtClean="0"/>
-              <a:t>10/07/2025</a:t>
+              <a:t>11/07/2025</a:t>
             </a:fld>
             <a:endParaRPr lang="pt-BR"/>
           </a:p>
@@ -4469,8 +4469,8 @@
         </p:nvSpPr>
         <p:spPr>
           <a:xfrm>
-            <a:off x="240112" y="2555485"/>
-            <a:ext cx="1031081" cy="1449356"/>
+            <a:off x="240112" y="2555484"/>
+            <a:ext cx="1031081" cy="1747032"/>
           </a:xfrm>
           <a:prstGeom prst="roundRect">
             <a:avLst>
@@ -4536,8 +4536,8 @@
         </p:nvSpPr>
         <p:spPr>
           <a:xfrm>
-            <a:off x="240111" y="4034512"/>
-            <a:ext cx="1031081" cy="1449356"/>
+            <a:off x="240111" y="4336142"/>
+            <a:ext cx="1031081" cy="1353506"/>
           </a:xfrm>
           <a:prstGeom prst="roundRect">
             <a:avLst>
@@ -4603,8 +4603,8 @@
         </p:nvSpPr>
         <p:spPr>
           <a:xfrm>
-            <a:off x="249168" y="5517494"/>
-            <a:ext cx="1031081" cy="1199292"/>
+            <a:off x="249168" y="5723274"/>
+            <a:ext cx="1031081" cy="993512"/>
           </a:xfrm>
           <a:prstGeom prst="roundRect">
             <a:avLst>
